--- a/database/slides/PSALM_(OT_SUN_15_YEAR_B).pptx
+++ b/database/slides/PSALM_(OT_SUN_15_YEAR_B).pptx
@@ -15538,7 +15538,7 @@
                   <a:schemeClr val="lt1"/>
                 </a:solidFill>
               </a:rPr>
-              <a:t>And grant </a:t>
+              <a:t>And </a:t>
             </a:r>
             <a:r>
               <a:rPr lang="en-US" sz="4000" b="1">
@@ -15546,13 +15546,16 @@
                   <a:schemeClr val="lt1"/>
                 </a:solidFill>
               </a:rPr>
-              <a:t>us your saving help</a:t>
+              <a:t>grant to us </a:t>
             </a:r>
-            <a:endParaRPr lang="en-US" sz="4000" b="1" dirty="0">
-              <a:solidFill>
-                <a:schemeClr val="lt1"/>
-              </a:solidFill>
-            </a:endParaRPr>
+            <a:r>
+              <a:rPr lang="en-US" sz="4000" b="1" dirty="0">
+                <a:solidFill>
+                  <a:schemeClr val="lt1"/>
+                </a:solidFill>
+              </a:rPr>
+              <a:t>your saving help</a:t>
+            </a:r>
           </a:p>
         </p:txBody>
       </p:sp>
